--- a/00 Presentations/07 Simple Authentication.pptx
+++ b/00 Presentations/07 Simple Authentication.pptx
@@ -37,7 +37,7 @@
       <p:boldItalic r:id="rId20"/>
     </p:embeddedFont>
     <p:embeddedFont>
-      <p:font typeface="Lato" panose="020B0604020202020204" charset="0"/>
+      <p:font typeface="Lato" panose="020F0502020204030203" pitchFamily="34" charset="0"/>
       <p:regular r:id="rId21"/>
       <p:bold r:id="rId22"/>
       <p:italic r:id="rId23"/>
@@ -9461,7 +9461,7 @@
         <p:spPr>
           <a:xfrm>
             <a:off x="4487694" y="2127115"/>
-            <a:ext cx="7509752" cy="1887166"/>
+            <a:ext cx="7509752" cy="2655900"/>
           </a:xfrm>
         </p:spPr>
         <p:txBody>
